--- a/moduł 2/moduł 2.pptx
+++ b/moduł 2/moduł 2.pptx
@@ -821,7 +821,7 @@
   <p:cSld>
     <p:spTree>
       <p:nvGrpSpPr>
-        <p:cNvPr id="137" name="Shape 137"/>
+        <p:cNvPr id="140" name="Shape 140"/>
         <p:cNvGrpSpPr/>
         <p:nvPr/>
       </p:nvGrpSpPr>
@@ -835,7 +835,7 @@
       </p:grpSpPr>
       <p:sp>
         <p:nvSpPr>
-          <p:cNvPr id="138" name="Google Shape;138;gb0e671c6ae_0_189:notes"/>
+          <p:cNvPr id="141" name="Google Shape;141;gb0e671c6ae_0_189:notes"/>
           <p:cNvSpPr/>
           <p:nvPr>
             <p:ph idx="2" type="sldImg"/>
@@ -870,7 +870,7 @@
       </p:sp>
       <p:sp>
         <p:nvSpPr>
-          <p:cNvPr id="139" name="Google Shape;139;gb0e671c6ae_0_189:notes"/>
+          <p:cNvPr id="142" name="Google Shape;142;gb0e671c6ae_0_189:notes"/>
           <p:cNvSpPr txBox="1"/>
           <p:nvPr>
             <p:ph idx="1" type="body"/>
@@ -920,7 +920,7 @@
   <p:cSld>
     <p:spTree>
       <p:nvGrpSpPr>
-        <p:cNvPr id="143" name="Shape 143"/>
+        <p:cNvPr id="146" name="Shape 146"/>
         <p:cNvGrpSpPr/>
         <p:nvPr/>
       </p:nvGrpSpPr>
@@ -934,7 +934,7 @@
       </p:grpSpPr>
       <p:sp>
         <p:nvSpPr>
-          <p:cNvPr id="144" name="Google Shape;144;gb0e671c6ae_0_195:notes"/>
+          <p:cNvPr id="147" name="Google Shape;147;gb0e671c6ae_0_195:notes"/>
           <p:cNvSpPr/>
           <p:nvPr>
             <p:ph idx="2" type="sldImg"/>
@@ -969,7 +969,7 @@
       </p:sp>
       <p:sp>
         <p:nvSpPr>
-          <p:cNvPr id="145" name="Google Shape;145;gb0e671c6ae_0_195:notes"/>
+          <p:cNvPr id="148" name="Google Shape;148;gb0e671c6ae_0_195:notes"/>
           <p:cNvSpPr txBox="1"/>
           <p:nvPr>
             <p:ph idx="1" type="body"/>
@@ -1019,7 +1019,7 @@
   <p:cSld>
     <p:spTree>
       <p:nvGrpSpPr>
-        <p:cNvPr id="149" name="Shape 149"/>
+        <p:cNvPr id="152" name="Shape 152"/>
         <p:cNvGrpSpPr/>
         <p:nvPr/>
       </p:nvGrpSpPr>
@@ -1033,7 +1033,7 @@
       </p:grpSpPr>
       <p:sp>
         <p:nvSpPr>
-          <p:cNvPr id="150" name="Google Shape;150;gb0e671c6ae_0_200:notes"/>
+          <p:cNvPr id="153" name="Google Shape;153;gb0e671c6ae_0_200:notes"/>
           <p:cNvSpPr/>
           <p:nvPr>
             <p:ph idx="2" type="sldImg"/>
@@ -1068,7 +1068,7 @@
       </p:sp>
       <p:sp>
         <p:nvSpPr>
-          <p:cNvPr id="151" name="Google Shape;151;gb0e671c6ae_0_200:notes"/>
+          <p:cNvPr id="154" name="Google Shape;154;gb0e671c6ae_0_200:notes"/>
           <p:cNvSpPr txBox="1"/>
           <p:nvPr>
             <p:ph idx="1" type="body"/>
@@ -1118,7 +1118,7 @@
   <p:cSld>
     <p:spTree>
       <p:nvGrpSpPr>
-        <p:cNvPr id="155" name="Shape 155"/>
+        <p:cNvPr id="158" name="Shape 158"/>
         <p:cNvGrpSpPr/>
         <p:nvPr/>
       </p:nvGrpSpPr>
@@ -1132,7 +1132,7 @@
       </p:grpSpPr>
       <p:sp>
         <p:nvSpPr>
-          <p:cNvPr id="156" name="Google Shape;156;gb0e671c6ae_0_210:notes"/>
+          <p:cNvPr id="159" name="Google Shape;159;gb0e671c6ae_0_210:notes"/>
           <p:cNvSpPr/>
           <p:nvPr>
             <p:ph idx="2" type="sldImg"/>
@@ -1167,7 +1167,7 @@
       </p:sp>
       <p:sp>
         <p:nvSpPr>
-          <p:cNvPr id="157" name="Google Shape;157;gb0e671c6ae_0_210:notes"/>
+          <p:cNvPr id="160" name="Google Shape;160;gb0e671c6ae_0_210:notes"/>
           <p:cNvSpPr txBox="1"/>
           <p:nvPr>
             <p:ph idx="1" type="body"/>
@@ -1217,7 +1217,7 @@
   <p:cSld>
     <p:spTree>
       <p:nvGrpSpPr>
-        <p:cNvPr id="161" name="Shape 161"/>
+        <p:cNvPr id="164" name="Shape 164"/>
         <p:cNvGrpSpPr/>
         <p:nvPr/>
       </p:nvGrpSpPr>
@@ -1231,7 +1231,7 @@
       </p:grpSpPr>
       <p:sp>
         <p:nvSpPr>
-          <p:cNvPr id="162" name="Google Shape;162;gb0e671c6ae_0_472:notes"/>
+          <p:cNvPr id="165" name="Google Shape;165;gb0e671c6ae_0_472:notes"/>
           <p:cNvSpPr/>
           <p:nvPr>
             <p:ph idx="2" type="sldImg"/>
@@ -1266,7 +1266,7 @@
       </p:sp>
       <p:sp>
         <p:nvSpPr>
-          <p:cNvPr id="163" name="Google Shape;163;gb0e671c6ae_0_472:notes"/>
+          <p:cNvPr id="166" name="Google Shape;166;gb0e671c6ae_0_472:notes"/>
           <p:cNvSpPr txBox="1"/>
           <p:nvPr>
             <p:ph idx="1" type="body"/>
@@ -1316,7 +1316,7 @@
   <p:cSld>
     <p:spTree>
       <p:nvGrpSpPr>
-        <p:cNvPr id="167" name="Shape 167"/>
+        <p:cNvPr id="170" name="Shape 170"/>
         <p:cNvGrpSpPr/>
         <p:nvPr/>
       </p:nvGrpSpPr>
@@ -1330,7 +1330,7 @@
       </p:grpSpPr>
       <p:sp>
         <p:nvSpPr>
-          <p:cNvPr id="168" name="Google Shape;168;ga84d353c19_0_0:notes"/>
+          <p:cNvPr id="171" name="Google Shape;171;ga84d353c19_0_0:notes"/>
           <p:cNvSpPr/>
           <p:nvPr>
             <p:ph idx="2" type="sldImg"/>
@@ -1365,7 +1365,7 @@
       </p:sp>
       <p:sp>
         <p:nvSpPr>
-          <p:cNvPr id="169" name="Google Shape;169;ga84d353c19_0_0:notes"/>
+          <p:cNvPr id="172" name="Google Shape;172;ga84d353c19_0_0:notes"/>
           <p:cNvSpPr txBox="1"/>
           <p:nvPr>
             <p:ph idx="1" type="body"/>
@@ -1415,7 +1415,7 @@
   <p:cSld>
     <p:spTree>
       <p:nvGrpSpPr>
-        <p:cNvPr id="173" name="Shape 173"/>
+        <p:cNvPr id="176" name="Shape 176"/>
         <p:cNvGrpSpPr/>
         <p:nvPr/>
       </p:nvGrpSpPr>
@@ -1429,7 +1429,7 @@
       </p:grpSpPr>
       <p:sp>
         <p:nvSpPr>
-          <p:cNvPr id="174" name="Google Shape;174;ga84d353c19_0_5:notes"/>
+          <p:cNvPr id="177" name="Google Shape;177;ga84d353c19_0_5:notes"/>
           <p:cNvSpPr/>
           <p:nvPr>
             <p:ph idx="2" type="sldImg"/>
@@ -1464,7 +1464,7 @@
       </p:sp>
       <p:sp>
         <p:nvSpPr>
-          <p:cNvPr id="175" name="Google Shape;175;ga84d353c19_0_5:notes"/>
+          <p:cNvPr id="178" name="Google Shape;178;ga84d353c19_0_5:notes"/>
           <p:cNvSpPr txBox="1"/>
           <p:nvPr>
             <p:ph idx="1" type="body"/>
@@ -2009,7 +2009,7 @@
   <p:cSld>
     <p:spTree>
       <p:nvGrpSpPr>
-        <p:cNvPr id="119" name="Shape 119"/>
+        <p:cNvPr id="120" name="Shape 120"/>
         <p:cNvGrpSpPr/>
         <p:nvPr/>
       </p:nvGrpSpPr>
@@ -2023,7 +2023,7 @@
       </p:grpSpPr>
       <p:sp>
         <p:nvSpPr>
-          <p:cNvPr id="120" name="Google Shape;120;gb0e671c6ae_0_179:notes"/>
+          <p:cNvPr id="121" name="Google Shape;121;gb0e671c6ae_0_179:notes"/>
           <p:cNvSpPr/>
           <p:nvPr>
             <p:ph idx="2" type="sldImg"/>
@@ -2058,7 +2058,7 @@
       </p:sp>
       <p:sp>
         <p:nvSpPr>
-          <p:cNvPr id="121" name="Google Shape;121;gb0e671c6ae_0_179:notes"/>
+          <p:cNvPr id="122" name="Google Shape;122;gb0e671c6ae_0_179:notes"/>
           <p:cNvSpPr txBox="1"/>
           <p:nvPr>
             <p:ph idx="1" type="body"/>
@@ -2108,7 +2108,7 @@
   <p:cSld>
     <p:spTree>
       <p:nvGrpSpPr>
-        <p:cNvPr id="125" name="Shape 125"/>
+        <p:cNvPr id="127" name="Shape 127"/>
         <p:cNvGrpSpPr/>
         <p:nvPr/>
       </p:nvGrpSpPr>
@@ -2122,7 +2122,7 @@
       </p:grpSpPr>
       <p:sp>
         <p:nvSpPr>
-          <p:cNvPr id="126" name="Google Shape;126;gb0e671c6ae_0_174:notes"/>
+          <p:cNvPr id="128" name="Google Shape;128;gb0e671c6ae_0_174:notes"/>
           <p:cNvSpPr/>
           <p:nvPr>
             <p:ph idx="2" type="sldImg"/>
@@ -2157,7 +2157,7 @@
       </p:sp>
       <p:sp>
         <p:nvSpPr>
-          <p:cNvPr id="127" name="Google Shape;127;gb0e671c6ae_0_174:notes"/>
+          <p:cNvPr id="129" name="Google Shape;129;gb0e671c6ae_0_174:notes"/>
           <p:cNvSpPr txBox="1"/>
           <p:nvPr>
             <p:ph idx="1" type="body"/>
@@ -2207,7 +2207,7 @@
   <p:cSld>
     <p:spTree>
       <p:nvGrpSpPr>
-        <p:cNvPr id="131" name="Shape 131"/>
+        <p:cNvPr id="134" name="Shape 134"/>
         <p:cNvGrpSpPr/>
         <p:nvPr/>
       </p:nvGrpSpPr>
@@ -2221,7 +2221,7 @@
       </p:grpSpPr>
       <p:sp>
         <p:nvSpPr>
-          <p:cNvPr id="132" name="Google Shape;132;gb0e671c6ae_0_184:notes"/>
+          <p:cNvPr id="135" name="Google Shape;135;gb0e671c6ae_0_184:notes"/>
           <p:cNvSpPr/>
           <p:nvPr>
             <p:ph idx="2" type="sldImg"/>
@@ -2256,7 +2256,7 @@
       </p:sp>
       <p:sp>
         <p:nvSpPr>
-          <p:cNvPr id="133" name="Google Shape;133;gb0e671c6ae_0_184:notes"/>
+          <p:cNvPr id="136" name="Google Shape;136;gb0e671c6ae_0_184:notes"/>
           <p:cNvSpPr txBox="1"/>
           <p:nvPr>
             <p:ph idx="1" type="body"/>
@@ -8997,7 +8997,7 @@
   <p:cSld>
     <p:spTree>
       <p:nvGrpSpPr>
-        <p:cNvPr id="140" name="Shape 140"/>
+        <p:cNvPr id="143" name="Shape 143"/>
         <p:cNvGrpSpPr/>
         <p:nvPr/>
       </p:nvGrpSpPr>
@@ -9011,7 +9011,7 @@
       </p:grpSpPr>
       <p:sp>
         <p:nvSpPr>
-          <p:cNvPr id="141" name="Google Shape;141;p22"/>
+          <p:cNvPr id="144" name="Google Shape;144;p22"/>
           <p:cNvSpPr txBox="1"/>
           <p:nvPr>
             <p:ph type="title"/>
@@ -9066,7 +9066,7 @@
       </p:sp>
       <p:sp>
         <p:nvSpPr>
-          <p:cNvPr id="142" name="Google Shape;142;p22"/>
+          <p:cNvPr id="145" name="Google Shape;145;p22"/>
           <p:cNvSpPr txBox="1"/>
           <p:nvPr>
             <p:ph idx="1" type="body"/>
@@ -9098,7 +9098,7 @@
             </a:pPr>
             <a:r>
               <a:rPr lang="pl"/>
-              <a:t>Tworzenie obrazów </a:t>
+              <a:t>Tworzenie obrazów systemów</a:t>
             </a:r>
             <a:endParaRPr/>
           </a:p>
@@ -9199,7 +9199,7 @@
   <p:cSld>
     <p:spTree>
       <p:nvGrpSpPr>
-        <p:cNvPr id="146" name="Shape 146"/>
+        <p:cNvPr id="149" name="Shape 149"/>
         <p:cNvGrpSpPr/>
         <p:nvPr/>
       </p:nvGrpSpPr>
@@ -9213,7 +9213,7 @@
       </p:grpSpPr>
       <p:sp>
         <p:nvSpPr>
-          <p:cNvPr id="147" name="Google Shape;147;p23"/>
+          <p:cNvPr id="150" name="Google Shape;150;p23"/>
           <p:cNvSpPr txBox="1"/>
           <p:nvPr>
             <p:ph type="title"/>
@@ -9253,7 +9253,7 @@
       </p:sp>
       <p:sp>
         <p:nvSpPr>
-          <p:cNvPr id="148" name="Google Shape;148;p23"/>
+          <p:cNvPr id="151" name="Google Shape;151;p23"/>
           <p:cNvSpPr txBox="1"/>
           <p:nvPr>
             <p:ph idx="1" type="body"/>
@@ -9291,6 +9291,22 @@
                 <a:hlinkClick r:id="rId3"/>
               </a:rPr>
               <a:t>www.teamviewer.com</a:t>
+            </a:r>
+            <a:endParaRPr/>
+          </a:p>
+          <a:p>
+            <a:pPr indent="0" lvl="0" marL="0" rtl="0" algn="l">
+              <a:spcBef>
+                <a:spcPts val="1600"/>
+              </a:spcBef>
+              <a:spcAft>
+                <a:spcPts val="0"/>
+              </a:spcAft>
+              <a:buNone/>
+            </a:pPr>
+            <a:r>
+              <a:rPr lang="pl"/>
+              <a:t>-Zdalne kontrolowanie komputera</a:t>
             </a:r>
             <a:endParaRPr/>
           </a:p>
@@ -9325,7 +9341,7 @@
   <p:cSld>
     <p:spTree>
       <p:nvGrpSpPr>
-        <p:cNvPr id="152" name="Shape 152"/>
+        <p:cNvPr id="155" name="Shape 155"/>
         <p:cNvGrpSpPr/>
         <p:nvPr/>
       </p:nvGrpSpPr>
@@ -9339,7 +9355,7 @@
       </p:grpSpPr>
       <p:sp>
         <p:nvSpPr>
-          <p:cNvPr id="153" name="Google Shape;153;p24"/>
+          <p:cNvPr id="156" name="Google Shape;156;p24"/>
           <p:cNvSpPr txBox="1"/>
           <p:nvPr>
             <p:ph type="title"/>
@@ -9379,7 +9395,7 @@
       </p:sp>
       <p:sp>
         <p:nvSpPr>
-          <p:cNvPr id="154" name="Google Shape;154;p24"/>
+          <p:cNvPr id="157" name="Google Shape;157;p24"/>
           <p:cNvSpPr txBox="1"/>
           <p:nvPr>
             <p:ph idx="1" type="body"/>
@@ -9426,13 +9442,29 @@
                 <a:spcPts val="1600"/>
               </a:spcBef>
               <a:spcAft>
-                <a:spcPts val="1600"/>
+                <a:spcPts val="0"/>
               </a:spcAft>
               <a:buNone/>
             </a:pPr>
             <a:r>
               <a:rPr lang="pl"/>
-              <a:t>Licencja MPL</a:t>
+              <a:t>-Przeglądanie poczty</a:t>
+            </a:r>
+            <a:endParaRPr/>
+          </a:p>
+          <a:p>
+            <a:pPr indent="0" lvl="0" marL="0" rtl="0" algn="l">
+              <a:spcBef>
+                <a:spcPts val="1600"/>
+              </a:spcBef>
+              <a:spcAft>
+                <a:spcPts val="1600"/>
+              </a:spcAft>
+              <a:buNone/>
+            </a:pPr>
+            <a:r>
+              <a:rPr lang="pl"/>
+              <a:t>-Licencja MPL</a:t>
             </a:r>
             <a:endParaRPr/>
           </a:p>
@@ -9451,7 +9483,7 @@
   <p:cSld>
     <p:spTree>
       <p:nvGrpSpPr>
-        <p:cNvPr id="158" name="Shape 158"/>
+        <p:cNvPr id="161" name="Shape 161"/>
         <p:cNvGrpSpPr/>
         <p:nvPr/>
       </p:nvGrpSpPr>
@@ -9465,7 +9497,7 @@
       </p:grpSpPr>
       <p:sp>
         <p:nvSpPr>
-          <p:cNvPr id="159" name="Google Shape;159;p25"/>
+          <p:cNvPr id="162" name="Google Shape;162;p25"/>
           <p:cNvSpPr txBox="1"/>
           <p:nvPr>
             <p:ph type="ctrTitle"/>
@@ -9505,7 +9537,7 @@
       </p:sp>
       <p:sp>
         <p:nvSpPr>
-          <p:cNvPr id="160" name="Google Shape;160;p25"/>
+          <p:cNvPr id="163" name="Google Shape;163;p25"/>
           <p:cNvSpPr txBox="1"/>
           <p:nvPr>
             <p:ph idx="1" type="subTitle"/>
@@ -9555,7 +9587,7 @@
   <p:cSld>
     <p:spTree>
       <p:nvGrpSpPr>
-        <p:cNvPr id="164" name="Shape 164"/>
+        <p:cNvPr id="167" name="Shape 167"/>
         <p:cNvGrpSpPr/>
         <p:nvPr/>
       </p:nvGrpSpPr>
@@ -9569,7 +9601,7 @@
       </p:grpSpPr>
       <p:sp>
         <p:nvSpPr>
-          <p:cNvPr id="165" name="Google Shape;165;p26"/>
+          <p:cNvPr id="168" name="Google Shape;168;p26"/>
           <p:cNvSpPr txBox="1"/>
           <p:nvPr>
             <p:ph type="title"/>
@@ -9609,7 +9641,7 @@
       </p:sp>
       <p:pic>
         <p:nvPicPr>
-          <p:cNvPr id="166" name="Google Shape;166;p26"/>
+          <p:cNvPr id="169" name="Google Shape;169;p26"/>
           <p:cNvPicPr preferRelativeResize="0"/>
           <p:nvPr/>
         </p:nvPicPr>
@@ -9648,7 +9680,7 @@
   <p:cSld>
     <p:spTree>
       <p:nvGrpSpPr>
-        <p:cNvPr id="170" name="Shape 170"/>
+        <p:cNvPr id="173" name="Shape 173"/>
         <p:cNvGrpSpPr/>
         <p:nvPr/>
       </p:nvGrpSpPr>
@@ -9662,7 +9694,7 @@
       </p:grpSpPr>
       <p:sp>
         <p:nvSpPr>
-          <p:cNvPr id="171" name="Google Shape;171;p27"/>
+          <p:cNvPr id="174" name="Google Shape;174;p27"/>
           <p:cNvSpPr txBox="1"/>
           <p:nvPr>
             <p:ph type="title"/>
@@ -9702,7 +9734,7 @@
       </p:sp>
       <p:sp>
         <p:nvSpPr>
-          <p:cNvPr id="172" name="Google Shape;172;p27"/>
+          <p:cNvPr id="175" name="Google Shape;175;p27"/>
           <p:cNvSpPr txBox="1"/>
           <p:nvPr>
             <p:ph idx="1" type="body"/>
@@ -9754,7 +9786,8 @@
               <a:buNone/>
             </a:pPr>
             <a:r>
-              <a:t/>
+              <a:rPr lang="pl"/>
+              <a:t>-Tworzenie skryptów które mogą udawać działanie użytkownika</a:t>
             </a:r>
             <a:endParaRPr/>
           </a:p>
@@ -9773,7 +9806,7 @@
   <p:cSld>
     <p:spTree>
       <p:nvGrpSpPr>
-        <p:cNvPr id="176" name="Shape 176"/>
+        <p:cNvPr id="179" name="Shape 179"/>
         <p:cNvGrpSpPr/>
         <p:nvPr/>
       </p:nvGrpSpPr>
@@ -9787,7 +9820,7 @@
       </p:grpSpPr>
       <p:sp>
         <p:nvSpPr>
-          <p:cNvPr id="177" name="Google Shape;177;p28"/>
+          <p:cNvPr id="180" name="Google Shape;180;p28"/>
           <p:cNvSpPr txBox="1"/>
           <p:nvPr>
             <p:ph type="title"/>
@@ -9826,7 +9859,7 @@
       </p:sp>
       <p:sp>
         <p:nvSpPr>
-          <p:cNvPr id="178" name="Google Shape;178;p28"/>
+          <p:cNvPr id="181" name="Google Shape;181;p28"/>
           <p:cNvSpPr txBox="1"/>
           <p:nvPr>
             <p:ph idx="1" type="body"/>
@@ -10284,6 +10317,37 @@
               <a:buNone/>
             </a:pPr>
             <a:r>
+              <a:rPr lang="pl" sz="1300"/>
+              <a:t>-Oprogramowanie biurowe pozwalające na podobne rzeczy co Microsoft Office </a:t>
+            </a:r>
+            <a:endParaRPr sz="1300"/>
+          </a:p>
+          <a:p>
+            <a:pPr indent="0" lvl="0" marL="0" rtl="0" algn="l">
+              <a:spcBef>
+                <a:spcPts val="0"/>
+              </a:spcBef>
+              <a:spcAft>
+                <a:spcPts val="0"/>
+              </a:spcAft>
+              <a:buNone/>
+            </a:pPr>
+            <a:r>
+              <a:t/>
+            </a:r>
+            <a:endParaRPr sz="1300"/>
+          </a:p>
+          <a:p>
+            <a:pPr indent="0" lvl="0" marL="0" rtl="0" algn="l">
+              <a:spcBef>
+                <a:spcPts val="0"/>
+              </a:spcBef>
+              <a:spcAft>
+                <a:spcPts val="0"/>
+              </a:spcAft>
+              <a:buNone/>
+            </a:pPr>
+            <a:r>
               <a:t/>
             </a:r>
             <a:endParaRPr sz="1300"/>
@@ -10498,6 +10562,58 @@
               <a:buNone/>
             </a:pPr>
             <a:r>
+              <a:rPr lang="pl" sz="1300">
+                <a:latin typeface="Lato"/>
+                <a:ea typeface="Lato"/>
+                <a:cs typeface="Lato"/>
+                <a:sym typeface="Lato"/>
+              </a:rPr>
+              <a:t>Archiwizer open source.</a:t>
+            </a:r>
+            <a:endParaRPr sz="1300">
+              <a:latin typeface="Lato"/>
+              <a:ea typeface="Lato"/>
+              <a:cs typeface="Lato"/>
+              <a:sym typeface="Lato"/>
+            </a:endParaRPr>
+          </a:p>
+          <a:p>
+            <a:pPr indent="0" lvl="0" marL="0" rtl="0" algn="l">
+              <a:spcBef>
+                <a:spcPts val="0"/>
+              </a:spcBef>
+              <a:spcAft>
+                <a:spcPts val="0"/>
+              </a:spcAft>
+              <a:buNone/>
+            </a:pPr>
+            <a:r>
+              <a:rPr lang="pl" sz="1300">
+                <a:latin typeface="Lato"/>
+                <a:ea typeface="Lato"/>
+                <a:cs typeface="Lato"/>
+                <a:sym typeface="Lato"/>
+              </a:rPr>
+              <a:t>Pakowanie dokumentów i programów</a:t>
+            </a:r>
+            <a:endParaRPr sz="1300">
+              <a:latin typeface="Lato"/>
+              <a:ea typeface="Lato"/>
+              <a:cs typeface="Lato"/>
+              <a:sym typeface="Lato"/>
+            </a:endParaRPr>
+          </a:p>
+          <a:p>
+            <a:pPr indent="0" lvl="0" marL="0" rtl="0" algn="l">
+              <a:spcBef>
+                <a:spcPts val="0"/>
+              </a:spcBef>
+              <a:spcAft>
+                <a:spcPts val="0"/>
+              </a:spcAft>
+              <a:buNone/>
+            </a:pPr>
+            <a:r>
               <a:t/>
             </a:r>
             <a:endParaRPr sz="1300">
@@ -10602,6 +10718,104 @@
           </a:ln>
         </p:spPr>
       </p:pic>
+      <p:sp>
+        <p:nvSpPr>
+          <p:cNvPr id="119" name="Google Shape;119;p18"/>
+          <p:cNvSpPr txBox="1"/>
+          <p:nvPr/>
+        </p:nvSpPr>
+        <p:spPr>
+          <a:xfrm>
+            <a:off x="629675" y="2009300"/>
+            <a:ext cx="2271000" cy="475500"/>
+          </a:xfrm>
+          <a:prstGeom prst="rect">
+            <a:avLst/>
+          </a:prstGeom>
+          <a:noFill/>
+          <a:ln>
+            <a:noFill/>
+          </a:ln>
+        </p:spPr>
+        <p:txBody>
+          <a:bodyPr anchorCtr="0" anchor="t" bIns="91425" lIns="91425" spcFirstLastPara="1" rIns="91425" wrap="square" tIns="91425">
+            <a:noAutofit/>
+          </a:bodyPr>
+          <a:lstStyle/>
+          <a:p>
+            <a:pPr indent="0" lvl="0" marL="0" rtl="0" algn="l">
+              <a:spcBef>
+                <a:spcPts val="0"/>
+              </a:spcBef>
+              <a:spcAft>
+                <a:spcPts val="0"/>
+              </a:spcAft>
+              <a:buNone/>
+            </a:pPr>
+            <a:r>
+              <a:rPr lang="pl">
+                <a:latin typeface="Lato"/>
+                <a:ea typeface="Lato"/>
+                <a:cs typeface="Lato"/>
+                <a:sym typeface="Lato"/>
+              </a:rPr>
+              <a:t>-Oczyszczanie komputera z niepotrzebnych składników.</a:t>
+            </a:r>
+            <a:endParaRPr>
+              <a:latin typeface="Lato"/>
+              <a:ea typeface="Lato"/>
+              <a:cs typeface="Lato"/>
+              <a:sym typeface="Lato"/>
+            </a:endParaRPr>
+          </a:p>
+          <a:p>
+            <a:pPr indent="0" lvl="0" marL="0" rtl="0" algn="l">
+              <a:spcBef>
+                <a:spcPts val="0"/>
+              </a:spcBef>
+              <a:spcAft>
+                <a:spcPts val="0"/>
+              </a:spcAft>
+              <a:buNone/>
+            </a:pPr>
+            <a:r>
+              <a:rPr lang="pl">
+                <a:latin typeface="Lato"/>
+                <a:ea typeface="Lato"/>
+                <a:cs typeface="Lato"/>
+                <a:sym typeface="Lato"/>
+              </a:rPr>
+              <a:t>-naprawa błędów rejestru.</a:t>
+            </a:r>
+            <a:endParaRPr>
+              <a:latin typeface="Lato"/>
+              <a:ea typeface="Lato"/>
+              <a:cs typeface="Lato"/>
+              <a:sym typeface="Lato"/>
+            </a:endParaRPr>
+          </a:p>
+          <a:p>
+            <a:pPr indent="0" lvl="0" marL="0" rtl="0" algn="l">
+              <a:spcBef>
+                <a:spcPts val="0"/>
+              </a:spcBef>
+              <a:spcAft>
+                <a:spcPts val="0"/>
+              </a:spcAft>
+              <a:buNone/>
+            </a:pPr>
+            <a:r>
+              <a:t/>
+            </a:r>
+            <a:endParaRPr>
+              <a:latin typeface="Lato"/>
+              <a:ea typeface="Lato"/>
+              <a:cs typeface="Lato"/>
+              <a:sym typeface="Lato"/>
+            </a:endParaRPr>
+          </a:p>
+        </p:txBody>
+      </p:sp>
     </p:spTree>
   </p:cSld>
   <p:clrMapOvr>
@@ -10615,7 +10829,7 @@
   <p:cSld>
     <p:spTree>
       <p:nvGrpSpPr>
-        <p:cNvPr id="122" name="Shape 122"/>
+        <p:cNvPr id="123" name="Shape 123"/>
         <p:cNvGrpSpPr/>
         <p:nvPr/>
       </p:nvGrpSpPr>
@@ -10629,7 +10843,7 @@
       </p:grpSpPr>
       <p:sp>
         <p:nvSpPr>
-          <p:cNvPr id="123" name="Google Shape;123;p19"/>
+          <p:cNvPr id="124" name="Google Shape;124;p19"/>
           <p:cNvSpPr txBox="1"/>
           <p:nvPr>
             <p:ph type="title"/>
@@ -10669,7 +10883,7 @@
       </p:sp>
       <p:pic>
         <p:nvPicPr>
-          <p:cNvPr descr="Zobacz obraz źródłowy" id="124" name="Google Shape;124;p19"/>
+          <p:cNvPr descr="Zobacz obraz źródłowy" id="125" name="Google Shape;125;p19"/>
           <p:cNvPicPr preferRelativeResize="0"/>
           <p:nvPr/>
         </p:nvPicPr>
@@ -10695,6 +10909,58 @@
           </a:ln>
         </p:spPr>
       </p:pic>
+      <p:sp>
+        <p:nvSpPr>
+          <p:cNvPr id="126" name="Google Shape;126;p19"/>
+          <p:cNvSpPr txBox="1"/>
+          <p:nvPr/>
+        </p:nvSpPr>
+        <p:spPr>
+          <a:xfrm>
+            <a:off x="785325" y="2058825"/>
+            <a:ext cx="2221500" cy="475500"/>
+          </a:xfrm>
+          <a:prstGeom prst="rect">
+            <a:avLst/>
+          </a:prstGeom>
+          <a:noFill/>
+          <a:ln>
+            <a:noFill/>
+          </a:ln>
+        </p:spPr>
+        <p:txBody>
+          <a:bodyPr anchorCtr="0" anchor="t" bIns="91425" lIns="91425" spcFirstLastPara="1" rIns="91425" wrap="square" tIns="91425">
+            <a:noAutofit/>
+          </a:bodyPr>
+          <a:lstStyle/>
+          <a:p>
+            <a:pPr indent="0" lvl="0" marL="0" rtl="0" algn="l">
+              <a:spcBef>
+                <a:spcPts val="0"/>
+              </a:spcBef>
+              <a:spcAft>
+                <a:spcPts val="0"/>
+              </a:spcAft>
+              <a:buNone/>
+            </a:pPr>
+            <a:r>
+              <a:rPr lang="pl">
+                <a:latin typeface="Lato"/>
+                <a:ea typeface="Lato"/>
+                <a:cs typeface="Lato"/>
+                <a:sym typeface="Lato"/>
+              </a:rPr>
+              <a:t>Przeglądanie i prosta edycja grafiki </a:t>
+            </a:r>
+            <a:endParaRPr>
+              <a:latin typeface="Lato"/>
+              <a:ea typeface="Lato"/>
+              <a:cs typeface="Lato"/>
+              <a:sym typeface="Lato"/>
+            </a:endParaRPr>
+          </a:p>
+        </p:txBody>
+      </p:sp>
     </p:spTree>
   </p:cSld>
   <p:clrMapOvr>
@@ -10708,7 +10974,7 @@
   <p:cSld>
     <p:spTree>
       <p:nvGrpSpPr>
-        <p:cNvPr id="128" name="Shape 128"/>
+        <p:cNvPr id="130" name="Shape 130"/>
         <p:cNvGrpSpPr/>
         <p:nvPr/>
       </p:nvGrpSpPr>
@@ -10722,7 +10988,7 @@
       </p:grpSpPr>
       <p:sp>
         <p:nvSpPr>
-          <p:cNvPr id="129" name="Google Shape;129;p20"/>
+          <p:cNvPr id="131" name="Google Shape;131;p20"/>
           <p:cNvSpPr txBox="1"/>
           <p:nvPr>
             <p:ph type="title"/>
@@ -10762,7 +11028,7 @@
       </p:sp>
       <p:pic>
         <p:nvPicPr>
-          <p:cNvPr id="130" name="Google Shape;130;p20"/>
+          <p:cNvPr id="132" name="Google Shape;132;p20"/>
           <p:cNvPicPr preferRelativeResize="0"/>
           <p:nvPr/>
         </p:nvPicPr>
@@ -10788,6 +11054,128 @@
           </a:ln>
         </p:spPr>
       </p:pic>
+      <p:sp>
+        <p:nvSpPr>
+          <p:cNvPr id="133" name="Google Shape;133;p20"/>
+          <p:cNvSpPr txBox="1"/>
+          <p:nvPr/>
+        </p:nvSpPr>
+        <p:spPr>
+          <a:xfrm>
+            <a:off x="452800" y="1853850"/>
+            <a:ext cx="1995300" cy="475500"/>
+          </a:xfrm>
+          <a:prstGeom prst="rect">
+            <a:avLst/>
+          </a:prstGeom>
+          <a:noFill/>
+          <a:ln>
+            <a:noFill/>
+          </a:ln>
+        </p:spPr>
+        <p:txBody>
+          <a:bodyPr anchorCtr="0" anchor="t" bIns="91425" lIns="91425" spcFirstLastPara="1" rIns="91425" wrap="square" tIns="91425">
+            <a:noAutofit/>
+          </a:bodyPr>
+          <a:lstStyle/>
+          <a:p>
+            <a:pPr indent="0" lvl="0" marL="0" rtl="0" algn="l">
+              <a:spcBef>
+                <a:spcPts val="0"/>
+              </a:spcBef>
+              <a:spcAft>
+                <a:spcPts val="0"/>
+              </a:spcAft>
+              <a:buNone/>
+            </a:pPr>
+            <a:r>
+              <a:rPr lang="pl">
+                <a:latin typeface="Lato"/>
+                <a:ea typeface="Lato"/>
+                <a:cs typeface="Lato"/>
+                <a:sym typeface="Lato"/>
+              </a:rPr>
+              <a:t>-</a:t>
+            </a:r>
+            <a:r>
+              <a:rPr lang="pl">
+                <a:latin typeface="Lato"/>
+                <a:ea typeface="Lato"/>
+                <a:cs typeface="Lato"/>
+                <a:sym typeface="Lato"/>
+              </a:rPr>
+              <a:t>Słuchanie</a:t>
+            </a:r>
+            <a:r>
+              <a:rPr lang="pl">
+                <a:latin typeface="Lato"/>
+                <a:ea typeface="Lato"/>
+                <a:cs typeface="Lato"/>
+                <a:sym typeface="Lato"/>
+              </a:rPr>
+              <a:t> muzyki,</a:t>
+            </a:r>
+            <a:endParaRPr>
+              <a:latin typeface="Lato"/>
+              <a:ea typeface="Lato"/>
+              <a:cs typeface="Lato"/>
+              <a:sym typeface="Lato"/>
+            </a:endParaRPr>
+          </a:p>
+          <a:p>
+            <a:pPr indent="0" lvl="0" marL="0" rtl="0" algn="l">
+              <a:spcBef>
+                <a:spcPts val="0"/>
+              </a:spcBef>
+              <a:spcAft>
+                <a:spcPts val="0"/>
+              </a:spcAft>
+              <a:buNone/>
+            </a:pPr>
+            <a:r>
+              <a:rPr lang="pl">
+                <a:latin typeface="Lato"/>
+                <a:ea typeface="Lato"/>
+                <a:cs typeface="Lato"/>
+                <a:sym typeface="Lato"/>
+              </a:rPr>
+              <a:t>-tworzenie playlist</a:t>
+            </a:r>
+            <a:endParaRPr>
+              <a:latin typeface="Lato"/>
+              <a:ea typeface="Lato"/>
+              <a:cs typeface="Lato"/>
+              <a:sym typeface="Lato"/>
+            </a:endParaRPr>
+          </a:p>
+          <a:p>
+            <a:pPr indent="0" lvl="0" marL="0" rtl="0" algn="l">
+              <a:spcBef>
+                <a:spcPts val="0"/>
+              </a:spcBef>
+              <a:spcAft>
+                <a:spcPts val="0"/>
+              </a:spcAft>
+              <a:buNone/>
+            </a:pPr>
+            <a:r>
+              <a:rPr lang="pl">
+                <a:latin typeface="Lato"/>
+                <a:ea typeface="Lato"/>
+                <a:cs typeface="Lato"/>
+                <a:sym typeface="Lato"/>
+              </a:rPr>
+              <a:t>-wiele przydatnych API</a:t>
+            </a:r>
+            <a:endParaRPr>
+              <a:latin typeface="Lato"/>
+              <a:ea typeface="Lato"/>
+              <a:cs typeface="Lato"/>
+              <a:sym typeface="Lato"/>
+            </a:endParaRPr>
+          </a:p>
+        </p:txBody>
+      </p:sp>
     </p:spTree>
   </p:cSld>
   <p:clrMapOvr>
@@ -10801,7 +11189,7 @@
   <p:cSld>
     <p:spTree>
       <p:nvGrpSpPr>
-        <p:cNvPr id="134" name="Shape 134"/>
+        <p:cNvPr id="137" name="Shape 137"/>
         <p:cNvGrpSpPr/>
         <p:nvPr/>
       </p:nvGrpSpPr>
@@ -10815,7 +11203,7 @@
       </p:grpSpPr>
       <p:sp>
         <p:nvSpPr>
-          <p:cNvPr id="135" name="Google Shape;135;p21"/>
+          <p:cNvPr id="138" name="Google Shape;138;p21"/>
           <p:cNvSpPr txBox="1"/>
           <p:nvPr>
             <p:ph type="title"/>
@@ -10855,7 +11243,7 @@
       </p:sp>
       <p:sp>
         <p:nvSpPr>
-          <p:cNvPr id="136" name="Google Shape;136;p21"/>
+          <p:cNvPr id="139" name="Google Shape;139;p21"/>
           <p:cNvSpPr txBox="1"/>
           <p:nvPr>
             <p:ph idx="1" type="body"/>
@@ -10947,6 +11335,285 @@
 </file>
 
 <file path=ppt/theme/theme1.xml><?xml version="1.0" encoding="utf-8"?>
+<a:theme xmlns:a="http://schemas.openxmlformats.org/drawingml/2006/main" xmlns:r="http://schemas.openxmlformats.org/officeDocument/2006/relationships">
+  <a:themeElements>
+    <a:clrScheme name="Default">
+      <a:dk1>
+        <a:srgbClr val="000000"/>
+      </a:dk1>
+      <a:lt1>
+        <a:srgbClr val="FFFFFF"/>
+      </a:lt1>
+      <a:dk2>
+        <a:srgbClr val="158158"/>
+      </a:dk2>
+      <a:lt2>
+        <a:srgbClr val="F3F3F3"/>
+      </a:lt2>
+      <a:accent1>
+        <a:srgbClr val="058DC7"/>
+      </a:accent1>
+      <a:accent2>
+        <a:srgbClr val="50B432"/>
+      </a:accent2>
+      <a:accent3>
+        <a:srgbClr val="ED561B"/>
+      </a:accent3>
+      <a:accent4>
+        <a:srgbClr val="EDEF00"/>
+      </a:accent4>
+      <a:accent5>
+        <a:srgbClr val="24CBE5"/>
+      </a:accent5>
+      <a:accent6>
+        <a:srgbClr val="64E572"/>
+      </a:accent6>
+      <a:hlink>
+        <a:srgbClr val="2200CC"/>
+      </a:hlink>
+      <a:folHlink>
+        <a:srgbClr val="551A8B"/>
+      </a:folHlink>
+    </a:clrScheme>
+    <a:fontScheme name="Office">
+      <a:majorFont>
+        <a:latin typeface="Arial"/>
+        <a:ea typeface=""/>
+        <a:cs typeface=""/>
+        <a:font script="Jpan" typeface="ＭＳ Ｐゴシック"/>
+        <a:font script="Hang" typeface="맑은 고딕"/>
+        <a:font script="Hans" typeface="宋体"/>
+        <a:font script="Hant" typeface="新細明體"/>
+        <a:font script="Arab" typeface="Times New Roman"/>
+        <a:font script="Hebr" typeface="Times New Roman"/>
+        <a:font script="Thai" typeface="Angsana New"/>
+        <a:font script="Ethi" typeface="Nyala"/>
+        <a:font script="Beng" typeface="Vrinda"/>
+        <a:font script="Gujr" typeface="Shruti"/>
+        <a:font script="Khmr" typeface="MoolBoran"/>
+        <a:font script="Knda" typeface="Tunga"/>
+        <a:font script="Guru" typeface="Raavi"/>
+        <a:font script="Cans" typeface="Euphemia"/>
+        <a:font script="Cher" typeface="Plantagenet Cherokee"/>
+        <a:font script="Yiii" typeface="Microsoft Yi Baiti"/>
+        <a:font script="Tibt" typeface="Microsoft Himalaya"/>
+        <a:font script="Thaa" typeface="MV Boli"/>
+        <a:font script="Deva" typeface="Mangal"/>
+        <a:font script="Telu" typeface="Gautami"/>
+        <a:font script="Taml" typeface="Latha"/>
+        <a:font script="Syrc" typeface="Estrangelo Edessa"/>
+        <a:font script="Orya" typeface="Kalinga"/>
+        <a:font script="Mlym" typeface="Kartika"/>
+        <a:font script="Laoo" typeface="DokChampa"/>
+        <a:font script="Sinh" typeface="Iskoola Pota"/>
+        <a:font script="Mong" typeface="Mongolian Baiti"/>
+        <a:font script="Viet" typeface="Times New Roman"/>
+        <a:font script="Uigh" typeface="Microsoft Uighur"/>
+        <a:font script="Geor" typeface="Sylfaen"/>
+      </a:majorFont>
+      <a:minorFont>
+        <a:latin typeface="Arial"/>
+        <a:ea typeface=""/>
+        <a:cs typeface=""/>
+        <a:font script="Jpan" typeface="ＭＳ Ｐゴシック"/>
+        <a:font script="Hang" typeface="맑은 고딕"/>
+        <a:font script="Hans" typeface="宋体"/>
+        <a:font script="Hant" typeface="新細明體"/>
+        <a:font script="Arab" typeface="Arial"/>
+        <a:font script="Hebr" typeface="Arial"/>
+        <a:font script="Thai" typeface="Cordia New"/>
+        <a:font script="Ethi" typeface="Nyala"/>
+        <a:font script="Beng" typeface="Vrinda"/>
+        <a:font script="Gujr" typeface="Shruti"/>
+        <a:font script="Khmr" typeface="DaunPenh"/>
+        <a:font script="Knda" typeface="Tunga"/>
+        <a:font script="Guru" typeface="Raavi"/>
+        <a:font script="Cans" typeface="Euphemia"/>
+        <a:font script="Cher" typeface="Plantagenet Cherokee"/>
+        <a:font script="Yiii" typeface="Microsoft Yi Baiti"/>
+        <a:font script="Tibt" typeface="Microsoft Himalaya"/>
+        <a:font script="Thaa" typeface="MV Boli"/>
+        <a:font script="Deva" typeface="Mangal"/>
+        <a:font script="Telu" typeface="Gautami"/>
+        <a:font script="Taml" typeface="Latha"/>
+        <a:font script="Syrc" typeface="Estrangelo Edessa"/>
+        <a:font script="Orya" typeface="Kalinga"/>
+        <a:font script="Mlym" typeface="Kartika"/>
+        <a:font script="Laoo" typeface="DokChampa"/>
+        <a:font script="Sinh" typeface="Iskoola Pota"/>
+        <a:font script="Mong" typeface="Mongolian Baiti"/>
+        <a:font script="Viet" typeface="Arial"/>
+        <a:font script="Uigh" typeface="Microsoft Uighur"/>
+        <a:font script="Geor" typeface="Sylfaen"/>
+      </a:minorFont>
+    </a:fontScheme>
+    <a:fmtScheme name="Office">
+      <a:fillStyleLst>
+        <a:solidFill>
+          <a:schemeClr val="phClr"/>
+        </a:solidFill>
+        <a:gradFill rotWithShape="1">
+          <a:gsLst>
+            <a:gs pos="0">
+              <a:schemeClr val="phClr">
+                <a:tint val="50000"/>
+                <a:satMod val="300000"/>
+              </a:schemeClr>
+            </a:gs>
+            <a:gs pos="35000">
+              <a:schemeClr val="phClr">
+                <a:tint val="37000"/>
+                <a:satMod val="300000"/>
+              </a:schemeClr>
+            </a:gs>
+            <a:gs pos="100000">
+              <a:schemeClr val="phClr">
+                <a:tint val="15000"/>
+                <a:satMod val="350000"/>
+              </a:schemeClr>
+            </a:gs>
+          </a:gsLst>
+          <a:lin ang="16200000" scaled="1"/>
+        </a:gradFill>
+        <a:gradFill rotWithShape="1">
+          <a:gsLst>
+            <a:gs pos="0">
+              <a:schemeClr val="phClr">
+                <a:tint val="100000"/>
+                <a:shade val="100000"/>
+                <a:satMod val="130000"/>
+              </a:schemeClr>
+            </a:gs>
+            <a:gs pos="100000">
+              <a:schemeClr val="phClr">
+                <a:tint val="50000"/>
+                <a:shade val="100000"/>
+                <a:satMod val="350000"/>
+              </a:schemeClr>
+            </a:gs>
+          </a:gsLst>
+          <a:lin ang="16200000" scaled="0"/>
+        </a:gradFill>
+      </a:fillStyleLst>
+      <a:lnStyleLst>
+        <a:ln w="9525" cap="flat" cmpd="sng" algn="ctr">
+          <a:solidFill>
+            <a:schemeClr val="phClr">
+              <a:shade val="95000"/>
+              <a:satMod val="105000"/>
+            </a:schemeClr>
+          </a:solidFill>
+          <a:prstDash val="solid"/>
+        </a:ln>
+        <a:ln w="25400" cap="flat" cmpd="sng" algn="ctr">
+          <a:solidFill>
+            <a:schemeClr val="phClr"/>
+          </a:solidFill>
+          <a:prstDash val="solid"/>
+        </a:ln>
+        <a:ln w="38100" cap="flat" cmpd="sng" algn="ctr">
+          <a:solidFill>
+            <a:schemeClr val="phClr"/>
+          </a:solidFill>
+          <a:prstDash val="solid"/>
+        </a:ln>
+      </a:lnStyleLst>
+      <a:effectStyleLst>
+        <a:effectStyle>
+          <a:effectLst>
+            <a:outerShdw blurRad="40000" dist="20000" dir="5400000" rotWithShape="0">
+              <a:srgbClr val="000000">
+                <a:alpha val="38000"/>
+              </a:srgbClr>
+            </a:outerShdw>
+          </a:effectLst>
+        </a:effectStyle>
+        <a:effectStyle>
+          <a:effectLst>
+            <a:outerShdw blurRad="40000" dist="23000" dir="5400000" rotWithShape="0">
+              <a:srgbClr val="000000">
+                <a:alpha val="35000"/>
+              </a:srgbClr>
+            </a:outerShdw>
+          </a:effectLst>
+        </a:effectStyle>
+        <a:effectStyle>
+          <a:effectLst>
+            <a:outerShdw blurRad="40000" dist="23000" dir="5400000" rotWithShape="0">
+              <a:srgbClr val="000000">
+                <a:alpha val="35000"/>
+              </a:srgbClr>
+            </a:outerShdw>
+          </a:effectLst>
+          <a:scene3d>
+            <a:camera prst="orthographicFront">
+              <a:rot lat="0" lon="0" rev="0"/>
+            </a:camera>
+            <a:lightRig rig="threePt" dir="t">
+              <a:rot lat="0" lon="0" rev="1200000"/>
+            </a:lightRig>
+          </a:scene3d>
+          <a:sp3d>
+            <a:bevelT w="63500" h="25400"/>
+          </a:sp3d>
+        </a:effectStyle>
+      </a:effectStyleLst>
+      <a:bgFillStyleLst>
+        <a:solidFill>
+          <a:schemeClr val="phClr"/>
+        </a:solidFill>
+        <a:gradFill rotWithShape="1">
+          <a:gsLst>
+            <a:gs pos="0">
+              <a:schemeClr val="phClr">
+                <a:tint val="40000"/>
+                <a:satMod val="350000"/>
+              </a:schemeClr>
+            </a:gs>
+            <a:gs pos="40000">
+              <a:schemeClr val="phClr">
+                <a:tint val="45000"/>
+                <a:shade val="99000"/>
+                <a:satMod val="350000"/>
+              </a:schemeClr>
+            </a:gs>
+            <a:gs pos="100000">
+              <a:schemeClr val="phClr">
+                <a:shade val="20000"/>
+                <a:satMod val="255000"/>
+              </a:schemeClr>
+            </a:gs>
+          </a:gsLst>
+          <a:path path="circle">
+            <a:fillToRect l="50000" t="-80000" r="50000" b="180000"/>
+          </a:path>
+        </a:gradFill>
+        <a:gradFill rotWithShape="1">
+          <a:gsLst>
+            <a:gs pos="0">
+              <a:schemeClr val="phClr">
+                <a:tint val="80000"/>
+                <a:satMod val="300000"/>
+              </a:schemeClr>
+            </a:gs>
+            <a:gs pos="100000">
+              <a:schemeClr val="phClr">
+                <a:shade val="30000"/>
+                <a:satMod val="200000"/>
+              </a:schemeClr>
+            </a:gs>
+          </a:gsLst>
+          <a:path path="circle">
+            <a:fillToRect l="50000" t="50000" r="50000" b="50000"/>
+          </a:path>
+        </a:gradFill>
+      </a:bgFillStyleLst>
+    </a:fmtScheme>
+  </a:themeElements>
+</a:theme>
+</file>
+
+<file path=ppt/theme/theme2.xml><?xml version="1.0" encoding="utf-8"?>
 <a:theme xmlns:a="http://schemas.openxmlformats.org/drawingml/2006/main" xmlns:r="http://schemas.openxmlformats.org/officeDocument/2006/relationships" name="Streamline">
   <a:themeElements>
     <a:clrScheme name="Streamline">
@@ -11223,283 +11890,4 @@
     </a:fmtScheme>
   </a:themeElements>
 </a:theme>
-</file>
-
-<file path=ppt/theme/theme2.xml><?xml version="1.0" encoding="utf-8"?>
-<a:theme xmlns:a="http://schemas.openxmlformats.org/drawingml/2006/main" xmlns:r="http://schemas.openxmlformats.org/officeDocument/2006/relationships">
-  <a:themeElements>
-    <a:clrScheme name="Default">
-      <a:dk1>
-        <a:srgbClr val="000000"/>
-      </a:dk1>
-      <a:lt1>
-        <a:srgbClr val="FFFFFF"/>
-      </a:lt1>
-      <a:dk2>
-        <a:srgbClr val="158158"/>
-      </a:dk2>
-      <a:lt2>
-        <a:srgbClr val="F3F3F3"/>
-      </a:lt2>
-      <a:accent1>
-        <a:srgbClr val="058DC7"/>
-      </a:accent1>
-      <a:accent2>
-        <a:srgbClr val="50B432"/>
-      </a:accent2>
-      <a:accent3>
-        <a:srgbClr val="ED561B"/>
-      </a:accent3>
-      <a:accent4>
-        <a:srgbClr val="EDEF00"/>
-      </a:accent4>
-      <a:accent5>
-        <a:srgbClr val="24CBE5"/>
-      </a:accent5>
-      <a:accent6>
-        <a:srgbClr val="64E572"/>
-      </a:accent6>
-      <a:hlink>
-        <a:srgbClr val="2200CC"/>
-      </a:hlink>
-      <a:folHlink>
-        <a:srgbClr val="551A8B"/>
-      </a:folHlink>
-    </a:clrScheme>
-    <a:fontScheme name="Office">
-      <a:majorFont>
-        <a:latin typeface="Arial"/>
-        <a:ea typeface=""/>
-        <a:cs typeface=""/>
-        <a:font script="Jpan" typeface="ＭＳ Ｐゴシック"/>
-        <a:font script="Hang" typeface="맑은 고딕"/>
-        <a:font script="Hans" typeface="宋体"/>
-        <a:font script="Hant" typeface="新細明體"/>
-        <a:font script="Arab" typeface="Times New Roman"/>
-        <a:font script="Hebr" typeface="Times New Roman"/>
-        <a:font script="Thai" typeface="Angsana New"/>
-        <a:font script="Ethi" typeface="Nyala"/>
-        <a:font script="Beng" typeface="Vrinda"/>
-        <a:font script="Gujr" typeface="Shruti"/>
-        <a:font script="Khmr" typeface="MoolBoran"/>
-        <a:font script="Knda" typeface="Tunga"/>
-        <a:font script="Guru" typeface="Raavi"/>
-        <a:font script="Cans" typeface="Euphemia"/>
-        <a:font script="Cher" typeface="Plantagenet Cherokee"/>
-        <a:font script="Yiii" typeface="Microsoft Yi Baiti"/>
-        <a:font script="Tibt" typeface="Microsoft Himalaya"/>
-        <a:font script="Thaa" typeface="MV Boli"/>
-        <a:font script="Deva" typeface="Mangal"/>
-        <a:font script="Telu" typeface="Gautami"/>
-        <a:font script="Taml" typeface="Latha"/>
-        <a:font script="Syrc" typeface="Estrangelo Edessa"/>
-        <a:font script="Orya" typeface="Kalinga"/>
-        <a:font script="Mlym" typeface="Kartika"/>
-        <a:font script="Laoo" typeface="DokChampa"/>
-        <a:font script="Sinh" typeface="Iskoola Pota"/>
-        <a:font script="Mong" typeface="Mongolian Baiti"/>
-        <a:font script="Viet" typeface="Times New Roman"/>
-        <a:font script="Uigh" typeface="Microsoft Uighur"/>
-        <a:font script="Geor" typeface="Sylfaen"/>
-      </a:majorFont>
-      <a:minorFont>
-        <a:latin typeface="Arial"/>
-        <a:ea typeface=""/>
-        <a:cs typeface=""/>
-        <a:font script="Jpan" typeface="ＭＳ Ｐゴシック"/>
-        <a:font script="Hang" typeface="맑은 고딕"/>
-        <a:font script="Hans" typeface="宋体"/>
-        <a:font script="Hant" typeface="新細明體"/>
-        <a:font script="Arab" typeface="Arial"/>
-        <a:font script="Hebr" typeface="Arial"/>
-        <a:font script="Thai" typeface="Cordia New"/>
-        <a:font script="Ethi" typeface="Nyala"/>
-        <a:font script="Beng" typeface="Vrinda"/>
-        <a:font script="Gujr" typeface="Shruti"/>
-        <a:font script="Khmr" typeface="DaunPenh"/>
-        <a:font script="Knda" typeface="Tunga"/>
-        <a:font script="Guru" typeface="Raavi"/>
-        <a:font script="Cans" typeface="Euphemia"/>
-        <a:font script="Cher" typeface="Plantagenet Cherokee"/>
-        <a:font script="Yiii" typeface="Microsoft Yi Baiti"/>
-        <a:font script="Tibt" typeface="Microsoft Himalaya"/>
-        <a:font script="Thaa" typeface="MV Boli"/>
-        <a:font script="Deva" typeface="Mangal"/>
-        <a:font script="Telu" typeface="Gautami"/>
-        <a:font script="Taml" typeface="Latha"/>
-        <a:font script="Syrc" typeface="Estrangelo Edessa"/>
-        <a:font script="Orya" typeface="Kalinga"/>
-        <a:font script="Mlym" typeface="Kartika"/>
-        <a:font script="Laoo" typeface="DokChampa"/>
-        <a:font script="Sinh" typeface="Iskoola Pota"/>
-        <a:font script="Mong" typeface="Mongolian Baiti"/>
-        <a:font script="Viet" typeface="Arial"/>
-        <a:font script="Uigh" typeface="Microsoft Uighur"/>
-        <a:font script="Geor" typeface="Sylfaen"/>
-      </a:minorFont>
-    </a:fontScheme>
-    <a:fmtScheme name="Office">
-      <a:fillStyleLst>
-        <a:solidFill>
-          <a:schemeClr val="phClr"/>
-        </a:solidFill>
-        <a:gradFill rotWithShape="1">
-          <a:gsLst>
-            <a:gs pos="0">
-              <a:schemeClr val="phClr">
-                <a:tint val="50000"/>
-                <a:satMod val="300000"/>
-              </a:schemeClr>
-            </a:gs>
-            <a:gs pos="35000">
-              <a:schemeClr val="phClr">
-                <a:tint val="37000"/>
-                <a:satMod val="300000"/>
-              </a:schemeClr>
-            </a:gs>
-            <a:gs pos="100000">
-              <a:schemeClr val="phClr">
-                <a:tint val="15000"/>
-                <a:satMod val="350000"/>
-              </a:schemeClr>
-            </a:gs>
-          </a:gsLst>
-          <a:lin ang="16200000" scaled="1"/>
-        </a:gradFill>
-        <a:gradFill rotWithShape="1">
-          <a:gsLst>
-            <a:gs pos="0">
-              <a:schemeClr val="phClr">
-                <a:tint val="100000"/>
-                <a:shade val="100000"/>
-                <a:satMod val="130000"/>
-              </a:schemeClr>
-            </a:gs>
-            <a:gs pos="100000">
-              <a:schemeClr val="phClr">
-                <a:tint val="50000"/>
-                <a:shade val="100000"/>
-                <a:satMod val="350000"/>
-              </a:schemeClr>
-            </a:gs>
-          </a:gsLst>
-          <a:lin ang="16200000" scaled="0"/>
-        </a:gradFill>
-      </a:fillStyleLst>
-      <a:lnStyleLst>
-        <a:ln w="9525" cap="flat" cmpd="sng" algn="ctr">
-          <a:solidFill>
-            <a:schemeClr val="phClr">
-              <a:shade val="95000"/>
-              <a:satMod val="105000"/>
-            </a:schemeClr>
-          </a:solidFill>
-          <a:prstDash val="solid"/>
-        </a:ln>
-        <a:ln w="25400" cap="flat" cmpd="sng" algn="ctr">
-          <a:solidFill>
-            <a:schemeClr val="phClr"/>
-          </a:solidFill>
-          <a:prstDash val="solid"/>
-        </a:ln>
-        <a:ln w="38100" cap="flat" cmpd="sng" algn="ctr">
-          <a:solidFill>
-            <a:schemeClr val="phClr"/>
-          </a:solidFill>
-          <a:prstDash val="solid"/>
-        </a:ln>
-      </a:lnStyleLst>
-      <a:effectStyleLst>
-        <a:effectStyle>
-          <a:effectLst>
-            <a:outerShdw blurRad="40000" dist="20000" dir="5400000" rotWithShape="0">
-              <a:srgbClr val="000000">
-                <a:alpha val="38000"/>
-              </a:srgbClr>
-            </a:outerShdw>
-          </a:effectLst>
-        </a:effectStyle>
-        <a:effectStyle>
-          <a:effectLst>
-            <a:outerShdw blurRad="40000" dist="23000" dir="5400000" rotWithShape="0">
-              <a:srgbClr val="000000">
-                <a:alpha val="35000"/>
-              </a:srgbClr>
-            </a:outerShdw>
-          </a:effectLst>
-        </a:effectStyle>
-        <a:effectStyle>
-          <a:effectLst>
-            <a:outerShdw blurRad="40000" dist="23000" dir="5400000" rotWithShape="0">
-              <a:srgbClr val="000000">
-                <a:alpha val="35000"/>
-              </a:srgbClr>
-            </a:outerShdw>
-          </a:effectLst>
-          <a:scene3d>
-            <a:camera prst="orthographicFront">
-              <a:rot lat="0" lon="0" rev="0"/>
-            </a:camera>
-            <a:lightRig rig="threePt" dir="t">
-              <a:rot lat="0" lon="0" rev="1200000"/>
-            </a:lightRig>
-          </a:scene3d>
-          <a:sp3d>
-            <a:bevelT w="63500" h="25400"/>
-          </a:sp3d>
-        </a:effectStyle>
-      </a:effectStyleLst>
-      <a:bgFillStyleLst>
-        <a:solidFill>
-          <a:schemeClr val="phClr"/>
-        </a:solidFill>
-        <a:gradFill rotWithShape="1">
-          <a:gsLst>
-            <a:gs pos="0">
-              <a:schemeClr val="phClr">
-                <a:tint val="40000"/>
-                <a:satMod val="350000"/>
-              </a:schemeClr>
-            </a:gs>
-            <a:gs pos="40000">
-              <a:schemeClr val="phClr">
-                <a:tint val="45000"/>
-                <a:shade val="99000"/>
-                <a:satMod val="350000"/>
-              </a:schemeClr>
-            </a:gs>
-            <a:gs pos="100000">
-              <a:schemeClr val="phClr">
-                <a:shade val="20000"/>
-                <a:satMod val="255000"/>
-              </a:schemeClr>
-            </a:gs>
-          </a:gsLst>
-          <a:path path="circle">
-            <a:fillToRect l="50000" t="-80000" r="50000" b="180000"/>
-          </a:path>
-        </a:gradFill>
-        <a:gradFill rotWithShape="1">
-          <a:gsLst>
-            <a:gs pos="0">
-              <a:schemeClr val="phClr">
-                <a:tint val="80000"/>
-                <a:satMod val="300000"/>
-              </a:schemeClr>
-            </a:gs>
-            <a:gs pos="100000">
-              <a:schemeClr val="phClr">
-                <a:shade val="30000"/>
-                <a:satMod val="200000"/>
-              </a:schemeClr>
-            </a:gs>
-          </a:gsLst>
-          <a:path path="circle">
-            <a:fillToRect l="50000" t="50000" r="50000" b="50000"/>
-          </a:path>
-        </a:gradFill>
-      </a:bgFillStyleLst>
-    </a:fmtScheme>
-  </a:themeElements>
-</a:theme>
 </file>